--- a/19 - Regras de Negócio.pptx
+++ b/19 - Regras de Negócio.pptx
@@ -104,6 +104,11 @@
       </a:defRPr>
     </a:lvl9pPr>
   </p:defaultTextStyle>
+  <p:extLst>
+    <p:ext uri="{EFAFB233-063F-42B5-8137-9DF3F51BA10A}">
+      <p15:sldGuideLst xmlns:p15="http://schemas.microsoft.com/office/powerpoint/2012/main"/>
+    </p:ext>
+  </p:extLst>
 </p:presentation>
 </file>
 
@@ -238,7 +243,7 @@
           <a:p>
             <a:fld id="{2564CB4D-D254-4A7D-99BA-E2ACC0016233}" type="datetimeFigureOut">
               <a:rPr lang="pt-BR" smtClean="0"/>
-              <a:t>22/09/2020</a:t>
+              <a:t>09/10/2020</a:t>
             </a:fld>
             <a:endParaRPr lang="pt-BR"/>
           </a:p>
@@ -408,7 +413,7 @@
           <a:p>
             <a:fld id="{2564CB4D-D254-4A7D-99BA-E2ACC0016233}" type="datetimeFigureOut">
               <a:rPr lang="pt-BR" smtClean="0"/>
-              <a:t>22/09/2020</a:t>
+              <a:t>09/10/2020</a:t>
             </a:fld>
             <a:endParaRPr lang="pt-BR"/>
           </a:p>
@@ -588,7 +593,7 @@
           <a:p>
             <a:fld id="{2564CB4D-D254-4A7D-99BA-E2ACC0016233}" type="datetimeFigureOut">
               <a:rPr lang="pt-BR" smtClean="0"/>
-              <a:t>22/09/2020</a:t>
+              <a:t>09/10/2020</a:t>
             </a:fld>
             <a:endParaRPr lang="pt-BR"/>
           </a:p>
@@ -758,7 +763,7 @@
           <a:p>
             <a:fld id="{2564CB4D-D254-4A7D-99BA-E2ACC0016233}" type="datetimeFigureOut">
               <a:rPr lang="pt-BR" smtClean="0"/>
-              <a:t>22/09/2020</a:t>
+              <a:t>09/10/2020</a:t>
             </a:fld>
             <a:endParaRPr lang="pt-BR"/>
           </a:p>
@@ -1004,7 +1009,7 @@
           <a:p>
             <a:fld id="{2564CB4D-D254-4A7D-99BA-E2ACC0016233}" type="datetimeFigureOut">
               <a:rPr lang="pt-BR" smtClean="0"/>
-              <a:t>22/09/2020</a:t>
+              <a:t>09/10/2020</a:t>
             </a:fld>
             <a:endParaRPr lang="pt-BR"/>
           </a:p>
@@ -1236,7 +1241,7 @@
           <a:p>
             <a:fld id="{2564CB4D-D254-4A7D-99BA-E2ACC0016233}" type="datetimeFigureOut">
               <a:rPr lang="pt-BR" smtClean="0"/>
-              <a:t>22/09/2020</a:t>
+              <a:t>09/10/2020</a:t>
             </a:fld>
             <a:endParaRPr lang="pt-BR"/>
           </a:p>
@@ -1603,7 +1608,7 @@
           <a:p>
             <a:fld id="{2564CB4D-D254-4A7D-99BA-E2ACC0016233}" type="datetimeFigureOut">
               <a:rPr lang="pt-BR" smtClean="0"/>
-              <a:t>22/09/2020</a:t>
+              <a:t>09/10/2020</a:t>
             </a:fld>
             <a:endParaRPr lang="pt-BR"/>
           </a:p>
@@ -1721,7 +1726,7 @@
           <a:p>
             <a:fld id="{2564CB4D-D254-4A7D-99BA-E2ACC0016233}" type="datetimeFigureOut">
               <a:rPr lang="pt-BR" smtClean="0"/>
-              <a:t>22/09/2020</a:t>
+              <a:t>09/10/2020</a:t>
             </a:fld>
             <a:endParaRPr lang="pt-BR"/>
           </a:p>
@@ -1816,7 +1821,7 @@
           <a:p>
             <a:fld id="{2564CB4D-D254-4A7D-99BA-E2ACC0016233}" type="datetimeFigureOut">
               <a:rPr lang="pt-BR" smtClean="0"/>
-              <a:t>22/09/2020</a:t>
+              <a:t>09/10/2020</a:t>
             </a:fld>
             <a:endParaRPr lang="pt-BR"/>
           </a:p>
@@ -2093,7 +2098,7 @@
           <a:p>
             <a:fld id="{2564CB4D-D254-4A7D-99BA-E2ACC0016233}" type="datetimeFigureOut">
               <a:rPr lang="pt-BR" smtClean="0"/>
-              <a:t>22/09/2020</a:t>
+              <a:t>09/10/2020</a:t>
             </a:fld>
             <a:endParaRPr lang="pt-BR"/>
           </a:p>
@@ -2346,7 +2351,7 @@
           <a:p>
             <a:fld id="{2564CB4D-D254-4A7D-99BA-E2ACC0016233}" type="datetimeFigureOut">
               <a:rPr lang="pt-BR" smtClean="0"/>
-              <a:t>22/09/2020</a:t>
+              <a:t>09/10/2020</a:t>
             </a:fld>
             <a:endParaRPr lang="pt-BR"/>
           </a:p>
@@ -2559,7 +2564,7 @@
           <a:p>
             <a:fld id="{2564CB4D-D254-4A7D-99BA-E2ACC0016233}" type="datetimeFigureOut">
               <a:rPr lang="pt-BR" smtClean="0"/>
-              <a:t>22/09/2020</a:t>
+              <a:t>09/10/2020</a:t>
             </a:fld>
             <a:endParaRPr lang="pt-BR"/>
           </a:p>
@@ -3123,7 +3128,7 @@
           <p:cNvPr id="7" name="Espaço Reservado para Conteúdo 2">
             <a:extLst>
               <a:ext uri="{FF2B5EF4-FFF2-40B4-BE49-F238E27FC236}">
-                <a16:creationId xmlns="" xmlns:a16="http://schemas.microsoft.com/office/drawing/2014/main" id="{F21868BC-3263-4148-A116-9A1B781D7959}"/>
+                <a16:creationId xmlns:a16="http://schemas.microsoft.com/office/drawing/2014/main" xmlns="" id="{F21868BC-3263-4148-A116-9A1B781D7959}"/>
               </a:ext>
             </a:extLst>
           </p:cNvPr>
@@ -3134,8 +3139,8 @@
         </p:nvSpPr>
         <p:spPr>
           <a:xfrm>
-            <a:off x="341778" y="1648681"/>
-            <a:ext cx="11590392" cy="4351338"/>
+            <a:off x="0" y="925802"/>
+            <a:ext cx="11590392" cy="5351725"/>
           </a:xfrm>
           <a:prstGeom prst="rect">
             <a:avLst/>
@@ -3336,7 +3341,7 @@
                 <a:latin typeface="Arial" panose="020B0604020202020204" pitchFamily="34" charset="0"/>
                 <a:cs typeface="Arial" panose="020B0604020202020204" pitchFamily="34" charset="0"/>
               </a:rPr>
-              <a:t>: Cliente faz pedido</a:t>
+              <a:t>: Cliente faz pagamento em dinheiro</a:t>
             </a:r>
           </a:p>
           <a:p>
@@ -3356,24 +3361,211 @@
                 <a:latin typeface="Arial" panose="020B0604020202020204" pitchFamily="34" charset="0"/>
                 <a:cs typeface="Arial" panose="020B0604020202020204" pitchFamily="34" charset="0"/>
               </a:rPr>
-              <a:t>: </a:t>
-            </a:r>
+              <a:t>: Atendente</a:t>
+            </a:r>
+          </a:p>
+          <a:p>
             <a:r>
               <a:rPr lang="pt-BR" sz="1600" dirty="0" smtClean="0">
                 <a:latin typeface="Arial" panose="020B0604020202020204" pitchFamily="34" charset="0"/>
                 <a:cs typeface="Arial" panose="020B0604020202020204" pitchFamily="34" charset="0"/>
               </a:rPr>
-              <a:t>Atendente</a:t>
-            </a:r>
-          </a:p>
-          <a:p>
+              <a:t>O cliente tem 10 minutos para efetuar o pagamento em dinheiro após a realização do pedido.</a:t>
+            </a:r>
+          </a:p>
+          <a:p>
+            <a:pPr marL="0" indent="0">
+              <a:buNone/>
+            </a:pPr>
+            <a:endParaRPr lang="pt-BR" sz="1600" dirty="0">
+              <a:latin typeface="Arial" panose="020B0604020202020204" pitchFamily="34" charset="0"/>
+              <a:cs typeface="Arial" panose="020B0604020202020204" pitchFamily="34" charset="0"/>
+            </a:endParaRPr>
+          </a:p>
+          <a:p>
+            <a:pPr marL="0" indent="0">
+              <a:buNone/>
+            </a:pPr>
+            <a:r>
+              <a:rPr lang="pt-BR" sz="1600" b="1" dirty="0">
+                <a:latin typeface="Arial" panose="020B0604020202020204" pitchFamily="34" charset="0"/>
+                <a:cs typeface="Arial" panose="020B0604020202020204" pitchFamily="34" charset="0"/>
+              </a:rPr>
+              <a:t>Evento</a:t>
+            </a:r>
+            <a:r>
+              <a:rPr lang="pt-BR" sz="1600" dirty="0">
+                <a:latin typeface="Arial" panose="020B0604020202020204" pitchFamily="34" charset="0"/>
+                <a:cs typeface="Arial" panose="020B0604020202020204" pitchFamily="34" charset="0"/>
+              </a:rPr>
+              <a:t>: Cliente faz pagamento em </a:t>
+            </a:r>
             <a:r>
               <a:rPr lang="pt-BR" sz="1600" dirty="0" smtClean="0">
                 <a:latin typeface="Arial" panose="020B0604020202020204" pitchFamily="34" charset="0"/>
                 <a:cs typeface="Arial" panose="020B0604020202020204" pitchFamily="34" charset="0"/>
               </a:rPr>
-              <a:t>Ao cliente fazer o pedido, no próprio pedido deve conter a data do dia vigente.</a:t>
-            </a:r>
+              <a:t>cartão</a:t>
+            </a:r>
+            <a:endParaRPr lang="pt-BR" sz="1600" dirty="0">
+              <a:latin typeface="Arial" panose="020B0604020202020204" pitchFamily="34" charset="0"/>
+              <a:cs typeface="Arial" panose="020B0604020202020204" pitchFamily="34" charset="0"/>
+            </a:endParaRPr>
+          </a:p>
+          <a:p>
+            <a:pPr marL="0" indent="0">
+              <a:buNone/>
+            </a:pPr>
+            <a:r>
+              <a:rPr lang="pt-BR" sz="1600" b="1" dirty="0">
+                <a:latin typeface="Arial" panose="020B0604020202020204" pitchFamily="34" charset="0"/>
+                <a:cs typeface="Arial" panose="020B0604020202020204" pitchFamily="34" charset="0"/>
+              </a:rPr>
+              <a:t>Trabalhador Envolvido</a:t>
+            </a:r>
+            <a:r>
+              <a:rPr lang="pt-BR" sz="1600" dirty="0">
+                <a:latin typeface="Arial" panose="020B0604020202020204" pitchFamily="34" charset="0"/>
+                <a:cs typeface="Arial" panose="020B0604020202020204" pitchFamily="34" charset="0"/>
+              </a:rPr>
+              <a:t>: Atendente</a:t>
+            </a:r>
+          </a:p>
+          <a:p>
+            <a:r>
+              <a:rPr lang="pt-BR" sz="1600" dirty="0">
+                <a:latin typeface="Arial" panose="020B0604020202020204" pitchFamily="34" charset="0"/>
+                <a:cs typeface="Arial" panose="020B0604020202020204" pitchFamily="34" charset="0"/>
+              </a:rPr>
+              <a:t>O cliente tem 10 minutos para efetuar o pagamento em </a:t>
+            </a:r>
+            <a:r>
+              <a:rPr lang="pt-BR" sz="1600" dirty="0" smtClean="0">
+                <a:latin typeface="Arial" panose="020B0604020202020204" pitchFamily="34" charset="0"/>
+                <a:cs typeface="Arial" panose="020B0604020202020204" pitchFamily="34" charset="0"/>
+              </a:rPr>
+              <a:t>cartão </a:t>
+            </a:r>
+            <a:r>
+              <a:rPr lang="pt-BR" sz="1600" dirty="0">
+                <a:latin typeface="Arial" panose="020B0604020202020204" pitchFamily="34" charset="0"/>
+                <a:cs typeface="Arial" panose="020B0604020202020204" pitchFamily="34" charset="0"/>
+              </a:rPr>
+              <a:t>após a realização do pedido</a:t>
+            </a:r>
+            <a:r>
+              <a:rPr lang="pt-BR" sz="1600" dirty="0" smtClean="0">
+                <a:latin typeface="Arial" panose="020B0604020202020204" pitchFamily="34" charset="0"/>
+                <a:cs typeface="Arial" panose="020B0604020202020204" pitchFamily="34" charset="0"/>
+              </a:rPr>
+              <a:t>.</a:t>
+            </a:r>
+          </a:p>
+          <a:p>
+            <a:pPr marL="0" indent="0">
+              <a:buNone/>
+            </a:pPr>
+            <a:endParaRPr lang="pt-BR" sz="1600" dirty="0">
+              <a:latin typeface="Arial" panose="020B0604020202020204" pitchFamily="34" charset="0"/>
+              <a:cs typeface="Arial" panose="020B0604020202020204" pitchFamily="34" charset="0"/>
+            </a:endParaRPr>
+          </a:p>
+          <a:p>
+            <a:pPr marL="0" indent="0">
+              <a:buNone/>
+            </a:pPr>
+            <a:r>
+              <a:rPr lang="pt-BR" sz="1600" b="1" dirty="0">
+                <a:latin typeface="Arial" panose="020B0604020202020204" pitchFamily="34" charset="0"/>
+                <a:cs typeface="Arial" panose="020B0604020202020204" pitchFamily="34" charset="0"/>
+              </a:rPr>
+              <a:t>Evento</a:t>
+            </a:r>
+            <a:r>
+              <a:rPr lang="pt-BR" sz="1600" dirty="0">
+                <a:latin typeface="Arial" panose="020B0604020202020204" pitchFamily="34" charset="0"/>
+                <a:cs typeface="Arial" panose="020B0604020202020204" pitchFamily="34" charset="0"/>
+              </a:rPr>
+              <a:t>: Cliente </a:t>
+            </a:r>
+            <a:r>
+              <a:rPr lang="pt-BR" sz="1600" dirty="0" smtClean="0">
+                <a:latin typeface="Arial" panose="020B0604020202020204" pitchFamily="34" charset="0"/>
+                <a:cs typeface="Arial" panose="020B0604020202020204" pitchFamily="34" charset="0"/>
+              </a:rPr>
+              <a:t>responde ao questionamento</a:t>
+            </a:r>
+            <a:endParaRPr lang="pt-BR" sz="1600" dirty="0">
+              <a:latin typeface="Arial" panose="020B0604020202020204" pitchFamily="34" charset="0"/>
+              <a:cs typeface="Arial" panose="020B0604020202020204" pitchFamily="34" charset="0"/>
+            </a:endParaRPr>
+          </a:p>
+          <a:p>
+            <a:pPr marL="0" indent="0">
+              <a:buNone/>
+            </a:pPr>
+            <a:r>
+              <a:rPr lang="pt-BR" sz="1600" b="1" dirty="0">
+                <a:latin typeface="Arial" panose="020B0604020202020204" pitchFamily="34" charset="0"/>
+                <a:cs typeface="Arial" panose="020B0604020202020204" pitchFamily="34" charset="0"/>
+              </a:rPr>
+              <a:t>Trabalhador Envolvido</a:t>
+            </a:r>
+            <a:r>
+              <a:rPr lang="pt-BR" sz="1600" dirty="0">
+                <a:latin typeface="Arial" panose="020B0604020202020204" pitchFamily="34" charset="0"/>
+                <a:cs typeface="Arial" panose="020B0604020202020204" pitchFamily="34" charset="0"/>
+              </a:rPr>
+              <a:t>: Atendente</a:t>
+            </a:r>
+          </a:p>
+          <a:p>
+            <a:r>
+              <a:rPr lang="pt-BR" sz="1600" dirty="0">
+                <a:latin typeface="Arial" panose="020B0604020202020204" pitchFamily="34" charset="0"/>
+                <a:cs typeface="Arial" panose="020B0604020202020204" pitchFamily="34" charset="0"/>
+              </a:rPr>
+              <a:t>O cliente tem 5</a:t>
+            </a:r>
+            <a:r>
+              <a:rPr lang="pt-BR" sz="1600" dirty="0" smtClean="0">
+                <a:latin typeface="Arial" panose="020B0604020202020204" pitchFamily="34" charset="0"/>
+                <a:cs typeface="Arial" panose="020B0604020202020204" pitchFamily="34" charset="0"/>
+              </a:rPr>
+              <a:t> </a:t>
+            </a:r>
+            <a:r>
+              <a:rPr lang="pt-BR" sz="1600" dirty="0">
+                <a:latin typeface="Arial" panose="020B0604020202020204" pitchFamily="34" charset="0"/>
+                <a:cs typeface="Arial" panose="020B0604020202020204" pitchFamily="34" charset="0"/>
+              </a:rPr>
+              <a:t>minutos para </a:t>
+            </a:r>
+            <a:r>
+              <a:rPr lang="pt-BR" sz="1600" dirty="0" smtClean="0">
+                <a:latin typeface="Arial" panose="020B0604020202020204" pitchFamily="34" charset="0"/>
+                <a:cs typeface="Arial" panose="020B0604020202020204" pitchFamily="34" charset="0"/>
+              </a:rPr>
+              <a:t>responder ao questionamento.</a:t>
+            </a:r>
+            <a:endParaRPr lang="pt-BR" sz="1600" dirty="0">
+              <a:latin typeface="Arial" panose="020B0604020202020204" pitchFamily="34" charset="0"/>
+              <a:cs typeface="Arial" panose="020B0604020202020204" pitchFamily="34" charset="0"/>
+            </a:endParaRPr>
+          </a:p>
+          <a:p>
+            <a:pPr marL="0" indent="0">
+              <a:buNone/>
+            </a:pPr>
+            <a:endParaRPr lang="pt-BR" sz="1600" dirty="0" smtClean="0">
+              <a:latin typeface="Arial" panose="020B0604020202020204" pitchFamily="34" charset="0"/>
+              <a:cs typeface="Arial" panose="020B0604020202020204" pitchFamily="34" charset="0"/>
+            </a:endParaRPr>
+          </a:p>
+          <a:p>
+            <a:pPr marL="0" indent="0">
+              <a:buNone/>
+            </a:pPr>
             <a:endParaRPr lang="pt-BR" sz="1600" dirty="0">
               <a:latin typeface="Arial" panose="020B0604020202020204" pitchFamily="34" charset="0"/>
               <a:cs typeface="Arial" panose="020B0604020202020204" pitchFamily="34" charset="0"/>

--- a/19 - Regras de Negócio.pptx
+++ b/19 - Regras de Negócio.pptx
@@ -243,7 +243,7 @@
           <a:p>
             <a:fld id="{2564CB4D-D254-4A7D-99BA-E2ACC0016233}" type="datetimeFigureOut">
               <a:rPr lang="pt-BR" smtClean="0"/>
-              <a:t>09/10/2020</a:t>
+              <a:t>01/11/2020</a:t>
             </a:fld>
             <a:endParaRPr lang="pt-BR"/>
           </a:p>
@@ -413,7 +413,7 @@
           <a:p>
             <a:fld id="{2564CB4D-D254-4A7D-99BA-E2ACC0016233}" type="datetimeFigureOut">
               <a:rPr lang="pt-BR" smtClean="0"/>
-              <a:t>09/10/2020</a:t>
+              <a:t>01/11/2020</a:t>
             </a:fld>
             <a:endParaRPr lang="pt-BR"/>
           </a:p>
@@ -593,7 +593,7 @@
           <a:p>
             <a:fld id="{2564CB4D-D254-4A7D-99BA-E2ACC0016233}" type="datetimeFigureOut">
               <a:rPr lang="pt-BR" smtClean="0"/>
-              <a:t>09/10/2020</a:t>
+              <a:t>01/11/2020</a:t>
             </a:fld>
             <a:endParaRPr lang="pt-BR"/>
           </a:p>
@@ -763,7 +763,7 @@
           <a:p>
             <a:fld id="{2564CB4D-D254-4A7D-99BA-E2ACC0016233}" type="datetimeFigureOut">
               <a:rPr lang="pt-BR" smtClean="0"/>
-              <a:t>09/10/2020</a:t>
+              <a:t>01/11/2020</a:t>
             </a:fld>
             <a:endParaRPr lang="pt-BR"/>
           </a:p>
@@ -1009,7 +1009,7 @@
           <a:p>
             <a:fld id="{2564CB4D-D254-4A7D-99BA-E2ACC0016233}" type="datetimeFigureOut">
               <a:rPr lang="pt-BR" smtClean="0"/>
-              <a:t>09/10/2020</a:t>
+              <a:t>01/11/2020</a:t>
             </a:fld>
             <a:endParaRPr lang="pt-BR"/>
           </a:p>
@@ -1241,7 +1241,7 @@
           <a:p>
             <a:fld id="{2564CB4D-D254-4A7D-99BA-E2ACC0016233}" type="datetimeFigureOut">
               <a:rPr lang="pt-BR" smtClean="0"/>
-              <a:t>09/10/2020</a:t>
+              <a:t>01/11/2020</a:t>
             </a:fld>
             <a:endParaRPr lang="pt-BR"/>
           </a:p>
@@ -1608,7 +1608,7 @@
           <a:p>
             <a:fld id="{2564CB4D-D254-4A7D-99BA-E2ACC0016233}" type="datetimeFigureOut">
               <a:rPr lang="pt-BR" smtClean="0"/>
-              <a:t>09/10/2020</a:t>
+              <a:t>01/11/2020</a:t>
             </a:fld>
             <a:endParaRPr lang="pt-BR"/>
           </a:p>
@@ -1726,7 +1726,7 @@
           <a:p>
             <a:fld id="{2564CB4D-D254-4A7D-99BA-E2ACC0016233}" type="datetimeFigureOut">
               <a:rPr lang="pt-BR" smtClean="0"/>
-              <a:t>09/10/2020</a:t>
+              <a:t>01/11/2020</a:t>
             </a:fld>
             <a:endParaRPr lang="pt-BR"/>
           </a:p>
@@ -1821,7 +1821,7 @@
           <a:p>
             <a:fld id="{2564CB4D-D254-4A7D-99BA-E2ACC0016233}" type="datetimeFigureOut">
               <a:rPr lang="pt-BR" smtClean="0"/>
-              <a:t>09/10/2020</a:t>
+              <a:t>01/11/2020</a:t>
             </a:fld>
             <a:endParaRPr lang="pt-BR"/>
           </a:p>
@@ -2098,7 +2098,7 @@
           <a:p>
             <a:fld id="{2564CB4D-D254-4A7D-99BA-E2ACC0016233}" type="datetimeFigureOut">
               <a:rPr lang="pt-BR" smtClean="0"/>
-              <a:t>09/10/2020</a:t>
+              <a:t>01/11/2020</a:t>
             </a:fld>
             <a:endParaRPr lang="pt-BR"/>
           </a:p>
@@ -2351,7 +2351,7 @@
           <a:p>
             <a:fld id="{2564CB4D-D254-4A7D-99BA-E2ACC0016233}" type="datetimeFigureOut">
               <a:rPr lang="pt-BR" smtClean="0"/>
-              <a:t>09/10/2020</a:t>
+              <a:t>01/11/2020</a:t>
             </a:fld>
             <a:endParaRPr lang="pt-BR"/>
           </a:p>
@@ -2564,7 +2564,7 @@
           <a:p>
             <a:fld id="{2564CB4D-D254-4A7D-99BA-E2ACC0016233}" type="datetimeFigureOut">
               <a:rPr lang="pt-BR" smtClean="0"/>
-              <a:t>09/10/2020</a:t>
+              <a:t>01/11/2020</a:t>
             </a:fld>
             <a:endParaRPr lang="pt-BR"/>
           </a:p>
@@ -3128,7 +3128,7 @@
           <p:cNvPr id="7" name="Espaço Reservado para Conteúdo 2">
             <a:extLst>
               <a:ext uri="{FF2B5EF4-FFF2-40B4-BE49-F238E27FC236}">
-                <a16:creationId xmlns:a16="http://schemas.microsoft.com/office/drawing/2014/main" xmlns="" id="{F21868BC-3263-4148-A116-9A1B781D7959}"/>
+                <a16:creationId xmlns="" xmlns:a16="http://schemas.microsoft.com/office/drawing/2014/main" id="{F21868BC-3263-4148-A116-9A1B781D7959}"/>
               </a:ext>
             </a:extLst>
           </p:cNvPr>
@@ -3566,17 +3566,107 @@
             <a:pPr marL="0" indent="0">
               <a:buNone/>
             </a:pPr>
+            <a:r>
+              <a:rPr lang="pt-BR" sz="1600" b="1" dirty="0">
+                <a:latin typeface="Arial" panose="020B0604020202020204" pitchFamily="34" charset="0"/>
+                <a:cs typeface="Arial" panose="020B0604020202020204" pitchFamily="34" charset="0"/>
+              </a:rPr>
+              <a:t>Evento</a:t>
+            </a:r>
+            <a:r>
+              <a:rPr lang="pt-BR" sz="1600" dirty="0">
+                <a:latin typeface="Arial" panose="020B0604020202020204" pitchFamily="34" charset="0"/>
+                <a:cs typeface="Arial" panose="020B0604020202020204" pitchFamily="34" charset="0"/>
+              </a:rPr>
+              <a:t>: </a:t>
+            </a:r>
+            <a:r>
+              <a:rPr lang="pt-BR" sz="1600" dirty="0" smtClean="0">
+                <a:latin typeface="Arial" panose="020B0604020202020204" pitchFamily="34" charset="0"/>
+                <a:cs typeface="Arial" panose="020B0604020202020204" pitchFamily="34" charset="0"/>
+              </a:rPr>
+              <a:t>Cliente solicita encomenda</a:t>
+            </a:r>
             <a:endParaRPr lang="pt-BR" sz="1600" dirty="0">
               <a:latin typeface="Arial" panose="020B0604020202020204" pitchFamily="34" charset="0"/>
               <a:cs typeface="Arial" panose="020B0604020202020204" pitchFamily="34" charset="0"/>
             </a:endParaRPr>
           </a:p>
+          <a:p>
+            <a:pPr marL="0" indent="0">
+              <a:buNone/>
+            </a:pPr>
+            <a:r>
+              <a:rPr lang="pt-BR" sz="1600" b="1" dirty="0">
+                <a:latin typeface="Arial" panose="020B0604020202020204" pitchFamily="34" charset="0"/>
+                <a:cs typeface="Arial" panose="020B0604020202020204" pitchFamily="34" charset="0"/>
+              </a:rPr>
+              <a:t>Trabalhador Envolvido</a:t>
+            </a:r>
+            <a:r>
+              <a:rPr lang="pt-BR" sz="1600" dirty="0">
+                <a:latin typeface="Arial" panose="020B0604020202020204" pitchFamily="34" charset="0"/>
+                <a:cs typeface="Arial" panose="020B0604020202020204" pitchFamily="34" charset="0"/>
+              </a:rPr>
+              <a:t>: Atendente</a:t>
+            </a:r>
+          </a:p>
+          <a:p>
+            <a:r>
+              <a:rPr lang="pt-BR" sz="1600" dirty="0">
+                <a:latin typeface="Arial" panose="020B0604020202020204" pitchFamily="34" charset="0"/>
+                <a:cs typeface="Arial" panose="020B0604020202020204" pitchFamily="34" charset="0"/>
+              </a:rPr>
+              <a:t>O cliente tem </a:t>
+            </a:r>
+            <a:r>
+              <a:rPr lang="pt-BR" sz="1600" dirty="0" smtClean="0">
+                <a:latin typeface="Arial" panose="020B0604020202020204" pitchFamily="34" charset="0"/>
+                <a:cs typeface="Arial" panose="020B0604020202020204" pitchFamily="34" charset="0"/>
+              </a:rPr>
+              <a:t>8 horas </a:t>
+            </a:r>
+            <a:r>
+              <a:rPr lang="pt-BR" sz="1600" dirty="0">
+                <a:latin typeface="Arial" panose="020B0604020202020204" pitchFamily="34" charset="0"/>
+                <a:cs typeface="Arial" panose="020B0604020202020204" pitchFamily="34" charset="0"/>
+              </a:rPr>
+              <a:t>para </a:t>
+            </a:r>
+            <a:r>
+              <a:rPr lang="pt-BR" sz="1600" dirty="0" smtClean="0">
+                <a:latin typeface="Arial" panose="020B0604020202020204" pitchFamily="34" charset="0"/>
+                <a:cs typeface="Arial" panose="020B0604020202020204" pitchFamily="34" charset="0"/>
+              </a:rPr>
+              <a:t>retirar </a:t>
+            </a:r>
+            <a:r>
+              <a:rPr lang="pt-BR" sz="1600" smtClean="0">
+                <a:latin typeface="Arial" panose="020B0604020202020204" pitchFamily="34" charset="0"/>
+                <a:cs typeface="Arial" panose="020B0604020202020204" pitchFamily="34" charset="0"/>
+              </a:rPr>
+              <a:t>a encomenda.</a:t>
+            </a:r>
+            <a:endParaRPr lang="pt-BR" sz="1600" dirty="0">
+              <a:latin typeface="Arial" panose="020B0604020202020204" pitchFamily="34" charset="0"/>
+              <a:cs typeface="Arial" panose="020B0604020202020204" pitchFamily="34" charset="0"/>
+            </a:endParaRPr>
+          </a:p>
+          <a:p>
+            <a:pPr marL="0" indent="0">
+              <a:buNone/>
+            </a:pPr>
+            <a:endParaRPr lang="pt-BR" sz="1600" dirty="0">
+              <a:latin typeface="Arial" panose="020B0604020202020204" pitchFamily="34" charset="0"/>
+              <a:cs typeface="Arial" panose="020B0604020202020204" pitchFamily="34" charset="0"/>
+            </a:endParaRPr>
+          </a:p>
         </p:txBody>
       </p:sp>
     </p:spTree>
     <p:extLst>
       <p:ext uri="{BB962C8B-B14F-4D97-AF65-F5344CB8AC3E}">
-        <p14:creationId xmlns:p14="http://schemas.microsoft.com/office/powerpoint/2010/main" val="3813016666"/>
+        <p14:creationId xmlns:p14="http://schemas.microsoft.com/office/powerpoint/2010/main" val="1298947266"/>
       </p:ext>
     </p:extLst>
   </p:cSld>
